--- a/Seminar ppt/kubectl 커맨드, 클러스터 구성.pptx
+++ b/Seminar ppt/kubectl 커맨드, 클러스터 구성.pptx
@@ -5,7 +5,7 @@
     <p:sldMasterId id="2147483750" r:id="rId1"/>
   </p:sldMasterIdLst>
   <p:notesMasterIdLst>
-    <p:notesMasterId r:id="rId13"/>
+    <p:notesMasterId r:id="rId14"/>
   </p:notesMasterIdLst>
   <p:sldIdLst>
     <p:sldId id="258" r:id="rId2"/>
@@ -18,7 +18,8 @@
     <p:sldId id="266" r:id="rId9"/>
     <p:sldId id="265" r:id="rId10"/>
     <p:sldId id="267" r:id="rId11"/>
-    <p:sldId id="257" r:id="rId12"/>
+    <p:sldId id="268" r:id="rId12"/>
+    <p:sldId id="257" r:id="rId13"/>
   </p:sldIdLst>
   <p:sldSz cx="9144000" cy="6858000" type="screen4x3"/>
   <p:notesSz cx="6797675" cy="9874250"/>
@@ -275,7 +276,7 @@
           <a:p>
             <a:fld id="{57764B8E-7EC0-4B59-8DA5-E04CAE3DB5F2}" type="datetimeFigureOut">
               <a:rPr lang="ko-KR" altLang="en-US" smtClean="0"/>
-              <a:t>2024-08-18</a:t>
+              <a:t>2024-08-21</a:t>
             </a:fld>
             <a:endParaRPr lang="ko-KR" altLang="en-US"/>
           </a:p>
@@ -4457,6 +4458,149 @@
 </file>
 
 <file path=ppt/slides/slide11.xml><?xml version="1.0" encoding="utf-8"?>
+<p:sld xmlns:a="http://schemas.openxmlformats.org/drawingml/2006/main" xmlns:r="http://schemas.openxmlformats.org/officeDocument/2006/relationships" xmlns:p="http://schemas.openxmlformats.org/presentationml/2006/main">
+  <p:cSld>
+    <p:spTree>
+      <p:nvGrpSpPr>
+        <p:cNvPr id="1" name=""/>
+        <p:cNvGrpSpPr/>
+        <p:nvPr/>
+      </p:nvGrpSpPr>
+      <p:grpSpPr>
+        <a:xfrm>
+          <a:off x="0" y="0"/>
+          <a:ext cx="0" cy="0"/>
+          <a:chOff x="0" y="0"/>
+          <a:chExt cx="0" cy="0"/>
+        </a:xfrm>
+      </p:grpSpPr>
+      <p:sp>
+        <p:nvSpPr>
+          <p:cNvPr id="2" name="제목 1">
+            <a:extLst>
+              <a:ext uri="{FF2B5EF4-FFF2-40B4-BE49-F238E27FC236}">
+                <a16:creationId xmlns:a16="http://schemas.microsoft.com/office/drawing/2014/main" id="{F85162AC-DBCA-21A6-31C9-BCE4BF61AB18}"/>
+              </a:ext>
+            </a:extLst>
+          </p:cNvPr>
+          <p:cNvSpPr>
+            <a:spLocks noGrp="1"/>
+          </p:cNvSpPr>
+          <p:nvPr>
+            <p:ph type="title"/>
+          </p:nvPr>
+        </p:nvSpPr>
+        <p:spPr/>
+        <p:txBody>
+          <a:bodyPr/>
+          <a:lstStyle/>
+          <a:p>
+            <a:endParaRPr lang="ko-KR" altLang="en-US"/>
+          </a:p>
+        </p:txBody>
+      </p:sp>
+      <p:sp>
+        <p:nvSpPr>
+          <p:cNvPr id="3" name="내용 개체 틀 2">
+            <a:extLst>
+              <a:ext uri="{FF2B5EF4-FFF2-40B4-BE49-F238E27FC236}">
+                <a16:creationId xmlns:a16="http://schemas.microsoft.com/office/drawing/2014/main" id="{D4025E40-4F30-B241-8639-011BBDF64780}"/>
+              </a:ext>
+            </a:extLst>
+          </p:cNvPr>
+          <p:cNvSpPr>
+            <a:spLocks noGrp="1"/>
+          </p:cNvSpPr>
+          <p:nvPr>
+            <p:ph idx="1"/>
+          </p:nvPr>
+        </p:nvSpPr>
+        <p:spPr/>
+        <p:txBody>
+          <a:bodyPr/>
+          <a:lstStyle/>
+          <a:p>
+            <a:endParaRPr lang="ko-KR" altLang="en-US"/>
+          </a:p>
+        </p:txBody>
+      </p:sp>
+      <p:graphicFrame>
+        <p:nvGraphicFramePr>
+          <p:cNvPr id="4" name="개체 3">
+            <a:extLst>
+              <a:ext uri="{FF2B5EF4-FFF2-40B4-BE49-F238E27FC236}">
+                <a16:creationId xmlns:a16="http://schemas.microsoft.com/office/drawing/2014/main" id="{7A438654-1FAF-B7B0-82BD-394423D03847}"/>
+              </a:ext>
+            </a:extLst>
+          </p:cNvPr>
+          <p:cNvGraphicFramePr>
+            <a:graphicFrameLocks noChangeAspect="1"/>
+          </p:cNvGraphicFramePr>
+          <p:nvPr>
+            <p:extLst>
+              <p:ext uri="{D42A27DB-BD31-4B8C-83A1-F6EECF244321}">
+                <p14:modId xmlns:p14="http://schemas.microsoft.com/office/powerpoint/2010/main" val="2865340694"/>
+              </p:ext>
+            </p:extLst>
+          </p:nvPr>
+        </p:nvGraphicFramePr>
+        <p:xfrm>
+          <a:off x="1187624" y="1916832"/>
+          <a:ext cx="1960784" cy="2376264"/>
+        </p:xfrm>
+        <a:graphic>
+          <a:graphicData uri="http://schemas.openxmlformats.org/presentationml/2006/ole">
+            <mc:AlternateContent xmlns:mc="http://schemas.openxmlformats.org/markup-compatibility/2006">
+              <mc:Choice xmlns:v="urn:schemas-microsoft-com:vml" Requires="v">
+                <p:oleObj name="포장기 셸 개체" showAsIcon="1" r:id="rId2" imgW="426740" imgH="518269" progId="Package">
+                  <p:embed/>
+                </p:oleObj>
+              </mc:Choice>
+              <mc:Fallback>
+                <p:oleObj name="포장기 셸 개체" showAsIcon="1" r:id="rId2" imgW="426740" imgH="518269" progId="Package">
+                  <p:embed/>
+                  <p:pic>
+                    <p:nvPicPr>
+                      <p:cNvPr id="0" name=""/>
+                      <p:cNvPicPr/>
+                      <p:nvPr/>
+                    </p:nvPicPr>
+                    <p:blipFill>
+                      <a:blip r:embed="rId3"/>
+                      <a:stretch>
+                        <a:fillRect/>
+                      </a:stretch>
+                    </p:blipFill>
+                    <p:spPr>
+                      <a:xfrm>
+                        <a:off x="1187624" y="1916832"/>
+                        <a:ext cx="1960784" cy="2376264"/>
+                      </a:xfrm>
+                      <a:prstGeom prst="rect">
+                        <a:avLst/>
+                      </a:prstGeom>
+                    </p:spPr>
+                  </p:pic>
+                </p:oleObj>
+              </mc:Fallback>
+            </mc:AlternateContent>
+          </a:graphicData>
+        </a:graphic>
+      </p:graphicFrame>
+    </p:spTree>
+    <p:extLst>
+      <p:ext uri="{BB962C8B-B14F-4D97-AF65-F5344CB8AC3E}">
+        <p14:creationId xmlns:p14="http://schemas.microsoft.com/office/powerpoint/2010/main" val="2668420205"/>
+      </p:ext>
+    </p:extLst>
+  </p:cSld>
+  <p:clrMapOvr>
+    <a:masterClrMapping/>
+  </p:clrMapOvr>
+</p:sld>
+</file>
+
+<file path=ppt/slides/slide12.xml><?xml version="1.0" encoding="utf-8"?>
 <p:sld xmlns:a="http://schemas.openxmlformats.org/drawingml/2006/main" xmlns:r="http://schemas.openxmlformats.org/officeDocument/2006/relationships" xmlns:p="http://schemas.openxmlformats.org/presentationml/2006/main">
   <p:cSld>
     <p:spTree>
